--- a/Group_project3_deck.pptx
+++ b/Group_project3_deck.pptx
@@ -19,7 +19,7 @@
     <p:sldId id="264" r:id="rId10"/>
     <p:sldId id="265" r:id="rId11"/>
     <p:sldId id="266" r:id="rId12"/>
-    <p:sldId id="267" r:id="rId13"/>
+    <p:sldId id="270" r:id="rId13"/>
     <p:sldId id="269" r:id="rId14"/>
   </p:sldIdLst>
   <p:sldSz cx="12192000" cy="6858000"/>
@@ -322,6 +322,11 @@
       </a:defRPr>
     </a:lvl9pPr>
   </p:defaultTextStyle>
+  <p:extLst>
+    <p:ext uri="{EFAFB233-063F-42B5-8137-9DF3F51BA10A}">
+      <p15:sldGuideLst xmlns:p15="http://schemas.microsoft.com/office/powerpoint/2012/main"/>
+    </p:ext>
+  </p:extLst>
 </p:presentation>
 </file>
 
@@ -1865,14 +1870,35 @@
         </dgm:presLayoutVars>
       </dgm:prSet>
       <dgm:spPr/>
+      <dgm:t>
+        <a:bodyPr/>
+        <a:lstStyle/>
+        <a:p>
+          <a:endParaRPr lang="en-US"/>
+        </a:p>
+      </dgm:t>
     </dgm:pt>
     <dgm:pt modelId="{503F67E7-F078-4E22-95F8-3F0A12E5A367}" type="pres">
       <dgm:prSet presAssocID="{8720C469-BB3F-4F5D-9EE9-A4487D8DD3EE}" presName="sibTrans" presStyleLbl="sibTrans1D1" presStyleIdx="0" presStyleCnt="5"/>
       <dgm:spPr/>
+      <dgm:t>
+        <a:bodyPr/>
+        <a:lstStyle/>
+        <a:p>
+          <a:endParaRPr lang="en-US"/>
+        </a:p>
+      </dgm:t>
     </dgm:pt>
     <dgm:pt modelId="{11937690-6A1D-458C-9C11-A2B3BF00303D}" type="pres">
       <dgm:prSet presAssocID="{8720C469-BB3F-4F5D-9EE9-A4487D8DD3EE}" presName="connectorText" presStyleLbl="sibTrans1D1" presStyleIdx="0" presStyleCnt="5"/>
       <dgm:spPr/>
+      <dgm:t>
+        <a:bodyPr/>
+        <a:lstStyle/>
+        <a:p>
+          <a:endParaRPr lang="en-US"/>
+        </a:p>
+      </dgm:t>
     </dgm:pt>
     <dgm:pt modelId="{07C378D1-E6FE-4CDA-850B-F2499600AAF5}" type="pres">
       <dgm:prSet presAssocID="{48D0C688-861D-4FFD-8ABF-E972B221161D}" presName="node" presStyleLbl="node1" presStyleIdx="1" presStyleCnt="6">
@@ -1881,14 +1907,35 @@
         </dgm:presLayoutVars>
       </dgm:prSet>
       <dgm:spPr/>
+      <dgm:t>
+        <a:bodyPr/>
+        <a:lstStyle/>
+        <a:p>
+          <a:endParaRPr lang="en-US"/>
+        </a:p>
+      </dgm:t>
     </dgm:pt>
     <dgm:pt modelId="{2A8540BC-CC6E-494B-AAB4-AC1951672CA3}" type="pres">
       <dgm:prSet presAssocID="{9250E9B6-BBC1-41C8-AA83-C6F2DE6A56C5}" presName="sibTrans" presStyleLbl="sibTrans1D1" presStyleIdx="1" presStyleCnt="5"/>
       <dgm:spPr/>
+      <dgm:t>
+        <a:bodyPr/>
+        <a:lstStyle/>
+        <a:p>
+          <a:endParaRPr lang="en-US"/>
+        </a:p>
+      </dgm:t>
     </dgm:pt>
     <dgm:pt modelId="{53A76E2B-45E2-4199-8DA6-CAA663645202}" type="pres">
       <dgm:prSet presAssocID="{9250E9B6-BBC1-41C8-AA83-C6F2DE6A56C5}" presName="connectorText" presStyleLbl="sibTrans1D1" presStyleIdx="1" presStyleCnt="5"/>
       <dgm:spPr/>
+      <dgm:t>
+        <a:bodyPr/>
+        <a:lstStyle/>
+        <a:p>
+          <a:endParaRPr lang="en-US"/>
+        </a:p>
+      </dgm:t>
     </dgm:pt>
     <dgm:pt modelId="{B0EF376C-2DB2-41F2-B2D2-E62C41990D2E}" type="pres">
       <dgm:prSet presAssocID="{B15D1372-5566-49ED-9717-B85083C365C5}" presName="node" presStyleLbl="node1" presStyleIdx="2" presStyleCnt="6">
@@ -1897,14 +1944,35 @@
         </dgm:presLayoutVars>
       </dgm:prSet>
       <dgm:spPr/>
+      <dgm:t>
+        <a:bodyPr/>
+        <a:lstStyle/>
+        <a:p>
+          <a:endParaRPr lang="en-US"/>
+        </a:p>
+      </dgm:t>
     </dgm:pt>
     <dgm:pt modelId="{BF76A627-718D-40A9-8B57-D3E9083C6381}" type="pres">
       <dgm:prSet presAssocID="{34A81CA4-9286-4C4B-84A1-4F5A4E7E4A7A}" presName="sibTrans" presStyleLbl="sibTrans1D1" presStyleIdx="2" presStyleCnt="5"/>
       <dgm:spPr/>
+      <dgm:t>
+        <a:bodyPr/>
+        <a:lstStyle/>
+        <a:p>
+          <a:endParaRPr lang="en-US"/>
+        </a:p>
+      </dgm:t>
     </dgm:pt>
     <dgm:pt modelId="{BDAB0FB3-B532-4FC7-BEBA-BEA5B754E163}" type="pres">
       <dgm:prSet presAssocID="{34A81CA4-9286-4C4B-84A1-4F5A4E7E4A7A}" presName="connectorText" presStyleLbl="sibTrans1D1" presStyleIdx="2" presStyleCnt="5"/>
       <dgm:spPr/>
+      <dgm:t>
+        <a:bodyPr/>
+        <a:lstStyle/>
+        <a:p>
+          <a:endParaRPr lang="en-US"/>
+        </a:p>
+      </dgm:t>
     </dgm:pt>
     <dgm:pt modelId="{B95BDC33-6421-4D5B-89D1-1E32E947A708}" type="pres">
       <dgm:prSet presAssocID="{B87AF69D-6D3E-41A9-9F2F-BDA02D6B1D7D}" presName="node" presStyleLbl="node1" presStyleIdx="3" presStyleCnt="6">
@@ -1913,14 +1981,35 @@
         </dgm:presLayoutVars>
       </dgm:prSet>
       <dgm:spPr/>
+      <dgm:t>
+        <a:bodyPr/>
+        <a:lstStyle/>
+        <a:p>
+          <a:endParaRPr lang="en-US"/>
+        </a:p>
+      </dgm:t>
     </dgm:pt>
     <dgm:pt modelId="{02450B41-26D1-4AE7-B532-9F58C8CFD291}" type="pres">
       <dgm:prSet presAssocID="{121B5633-C78A-436F-826B-4A00C3968F7C}" presName="sibTrans" presStyleLbl="sibTrans1D1" presStyleIdx="3" presStyleCnt="5"/>
       <dgm:spPr/>
+      <dgm:t>
+        <a:bodyPr/>
+        <a:lstStyle/>
+        <a:p>
+          <a:endParaRPr lang="en-US"/>
+        </a:p>
+      </dgm:t>
     </dgm:pt>
     <dgm:pt modelId="{E9EB2C80-8466-48B9-AEB9-44240FDD282B}" type="pres">
       <dgm:prSet presAssocID="{121B5633-C78A-436F-826B-4A00C3968F7C}" presName="connectorText" presStyleLbl="sibTrans1D1" presStyleIdx="3" presStyleCnt="5"/>
       <dgm:spPr/>
+      <dgm:t>
+        <a:bodyPr/>
+        <a:lstStyle/>
+        <a:p>
+          <a:endParaRPr lang="en-US"/>
+        </a:p>
+      </dgm:t>
     </dgm:pt>
     <dgm:pt modelId="{5E0FCCC8-ACF4-4FB8-8F04-9B07695E2C0D}" type="pres">
       <dgm:prSet presAssocID="{B74EF89B-A008-4CA8-853E-DCBC17941800}" presName="node" presStyleLbl="node1" presStyleIdx="4" presStyleCnt="6">
@@ -1929,14 +2018,35 @@
         </dgm:presLayoutVars>
       </dgm:prSet>
       <dgm:spPr/>
+      <dgm:t>
+        <a:bodyPr/>
+        <a:lstStyle/>
+        <a:p>
+          <a:endParaRPr lang="en-US"/>
+        </a:p>
+      </dgm:t>
     </dgm:pt>
     <dgm:pt modelId="{D0F82B41-16C5-43A2-A570-6E0D39E5579D}" type="pres">
       <dgm:prSet presAssocID="{C4E1A227-2332-4FC7-A9BB-FB169C2454B0}" presName="sibTrans" presStyleLbl="sibTrans1D1" presStyleIdx="4" presStyleCnt="5"/>
       <dgm:spPr/>
+      <dgm:t>
+        <a:bodyPr/>
+        <a:lstStyle/>
+        <a:p>
+          <a:endParaRPr lang="en-US"/>
+        </a:p>
+      </dgm:t>
     </dgm:pt>
     <dgm:pt modelId="{A5E1047B-578D-46EB-8306-9A80D1F583C6}" type="pres">
       <dgm:prSet presAssocID="{C4E1A227-2332-4FC7-A9BB-FB169C2454B0}" presName="connectorText" presStyleLbl="sibTrans1D1" presStyleIdx="4" presStyleCnt="5"/>
       <dgm:spPr/>
+      <dgm:t>
+        <a:bodyPr/>
+        <a:lstStyle/>
+        <a:p>
+          <a:endParaRPr lang="en-US"/>
+        </a:p>
+      </dgm:t>
     </dgm:pt>
     <dgm:pt modelId="{CB35E25D-0678-47B7-AEF9-091905CA03FB}" type="pres">
       <dgm:prSet presAssocID="{F21A83E7-FA3C-47A9-B3CB-9C1BC1C49377}" presName="node" presStyleLbl="node1" presStyleIdx="5" presStyleCnt="6">
@@ -1945,32 +2055,39 @@
         </dgm:presLayoutVars>
       </dgm:prSet>
       <dgm:spPr/>
+      <dgm:t>
+        <a:bodyPr/>
+        <a:lstStyle/>
+        <a:p>
+          <a:endParaRPr lang="en-US"/>
+        </a:p>
+      </dgm:t>
     </dgm:pt>
   </dgm:ptLst>
   <dgm:cxnLst>
+    <dgm:cxn modelId="{FEED1AE9-38E4-42F1-8E86-D85007A441A4}" type="presOf" srcId="{34A81CA4-9286-4C4B-84A1-4F5A4E7E4A7A}" destId="{BDAB0FB3-B532-4FC7-BEBA-BEA5B754E163}" srcOrd="1" destOrd="0" presId="urn:microsoft.com/office/officeart/2005/8/layout/bProcess3"/>
+    <dgm:cxn modelId="{0BAEE1BC-1A7B-48D5-8E15-A5BC10EDF5BB}" type="presOf" srcId="{B74EF89B-A008-4CA8-853E-DCBC17941800}" destId="{5E0FCCC8-ACF4-4FB8-8F04-9B07695E2C0D}" srcOrd="0" destOrd="0" presId="urn:microsoft.com/office/officeart/2005/8/layout/bProcess3"/>
+    <dgm:cxn modelId="{55AA15AD-FE27-423F-A53D-6B14941D9F4B}" type="presOf" srcId="{8720C469-BB3F-4F5D-9EE9-A4487D8DD3EE}" destId="{503F67E7-F078-4E22-95F8-3F0A12E5A367}" srcOrd="0" destOrd="0" presId="urn:microsoft.com/office/officeart/2005/8/layout/bProcess3"/>
+    <dgm:cxn modelId="{E9621940-B7FA-46AE-8130-2BE532323E24}" type="presOf" srcId="{34A81CA4-9286-4C4B-84A1-4F5A4E7E4A7A}" destId="{BF76A627-718D-40A9-8B57-D3E9083C6381}" srcOrd="0" destOrd="0" presId="urn:microsoft.com/office/officeart/2005/8/layout/bProcess3"/>
+    <dgm:cxn modelId="{CB026BC8-1509-4C3F-A13B-582A4E03557A}" type="presOf" srcId="{C4E1A227-2332-4FC7-A9BB-FB169C2454B0}" destId="{D0F82B41-16C5-43A2-A570-6E0D39E5579D}" srcOrd="0" destOrd="0" presId="urn:microsoft.com/office/officeart/2005/8/layout/bProcess3"/>
+    <dgm:cxn modelId="{D16AC7BC-7199-418A-96C0-40DE2D8B7815}" srcId="{4C08D1B8-AE00-49A5-88B2-04654168C37D}" destId="{48D0C688-861D-4FFD-8ABF-E972B221161D}" srcOrd="1" destOrd="0" parTransId="{B142CF86-A96C-4018-9308-72D788731CB0}" sibTransId="{9250E9B6-BBC1-41C8-AA83-C6F2DE6A56C5}"/>
+    <dgm:cxn modelId="{24F75CB2-B2D0-4591-915F-9A2DFA0121DC}" srcId="{4C08D1B8-AE00-49A5-88B2-04654168C37D}" destId="{B87AF69D-6D3E-41A9-9F2F-BDA02D6B1D7D}" srcOrd="3" destOrd="0" parTransId="{23D2BDF5-9C67-450F-8131-73CEBC1B8779}" sibTransId="{121B5633-C78A-436F-826B-4A00C3968F7C}"/>
+    <dgm:cxn modelId="{DF0910C3-5A46-433E-AA2F-560B1D014BD0}" type="presOf" srcId="{9250E9B6-BBC1-41C8-AA83-C6F2DE6A56C5}" destId="{2A8540BC-CC6E-494B-AAB4-AC1951672CA3}" srcOrd="0" destOrd="0" presId="urn:microsoft.com/office/officeart/2005/8/layout/bProcess3"/>
+    <dgm:cxn modelId="{883FED1C-6AF5-497F-9108-525E3218F34A}" type="presOf" srcId="{48D0C688-861D-4FFD-8ABF-E972B221161D}" destId="{07C378D1-E6FE-4CDA-850B-F2499600AAF5}" srcOrd="0" destOrd="0" presId="urn:microsoft.com/office/officeart/2005/8/layout/bProcess3"/>
+    <dgm:cxn modelId="{79E299A5-415E-44C8-AE9C-8094559F99DD}" srcId="{4C08D1B8-AE00-49A5-88B2-04654168C37D}" destId="{838960E0-B0ED-4AB1-949C-92C460FB5D47}" srcOrd="0" destOrd="0" parTransId="{7E3A1272-47E4-451E-99D0-0E45A3E0E5EF}" sibTransId="{8720C469-BB3F-4F5D-9EE9-A4487D8DD3EE}"/>
+    <dgm:cxn modelId="{5793E40F-345B-4333-8C72-4E82002246AA}" srcId="{4C08D1B8-AE00-49A5-88B2-04654168C37D}" destId="{B15D1372-5566-49ED-9717-B85083C365C5}" srcOrd="2" destOrd="0" parTransId="{F61A41E8-EC22-444A-BAF7-20038351088B}" sibTransId="{34A81CA4-9286-4C4B-84A1-4F5A4E7E4A7A}"/>
+    <dgm:cxn modelId="{2C046F60-098D-4633-A3E9-C4C2FC0E6EC7}" srcId="{4C08D1B8-AE00-49A5-88B2-04654168C37D}" destId="{B74EF89B-A008-4CA8-853E-DCBC17941800}" srcOrd="4" destOrd="0" parTransId="{CCFA42A2-A998-4EE1-B9FE-9AB912C560D2}" sibTransId="{C4E1A227-2332-4FC7-A9BB-FB169C2454B0}"/>
+    <dgm:cxn modelId="{C8DBF9F5-5BE0-40B7-AC3A-2BD7C47DE35E}" type="presOf" srcId="{B87AF69D-6D3E-41A9-9F2F-BDA02D6B1D7D}" destId="{B95BDC33-6421-4D5B-89D1-1E32E947A708}" srcOrd="0" destOrd="0" presId="urn:microsoft.com/office/officeart/2005/8/layout/bProcess3"/>
+    <dgm:cxn modelId="{ADB8003E-656B-489D-BD03-EAA8E815B9B5}" type="presOf" srcId="{B15D1372-5566-49ED-9717-B85083C365C5}" destId="{B0EF376C-2DB2-41F2-B2D2-E62C41990D2E}" srcOrd="0" destOrd="0" presId="urn:microsoft.com/office/officeart/2005/8/layout/bProcess3"/>
+    <dgm:cxn modelId="{0128435C-B3A6-4C9E-B0C0-601FA3833E8E}" type="presOf" srcId="{121B5633-C78A-436F-826B-4A00C3968F7C}" destId="{02450B41-26D1-4AE7-B532-9F58C8CFD291}" srcOrd="0" destOrd="0" presId="urn:microsoft.com/office/officeart/2005/8/layout/bProcess3"/>
+    <dgm:cxn modelId="{A14B0E34-A739-415D-9F8E-BA8E451F707F}" type="presOf" srcId="{838960E0-B0ED-4AB1-949C-92C460FB5D47}" destId="{1E6DE5A9-3210-4578-83FD-A7B98274150B}" srcOrd="0" destOrd="0" presId="urn:microsoft.com/office/officeart/2005/8/layout/bProcess3"/>
+    <dgm:cxn modelId="{239880FE-4AD7-41F2-AEC3-4F27D26A01D2}" type="presOf" srcId="{8720C469-BB3F-4F5D-9EE9-A4487D8DD3EE}" destId="{11937690-6A1D-458C-9C11-A2B3BF00303D}" srcOrd="1" destOrd="0" presId="urn:microsoft.com/office/officeart/2005/8/layout/bProcess3"/>
+    <dgm:cxn modelId="{0A07ECF9-E52D-4556-8056-9AE601EAF778}" type="presOf" srcId="{121B5633-C78A-436F-826B-4A00C3968F7C}" destId="{E9EB2C80-8466-48B9-AEB9-44240FDD282B}" srcOrd="1" destOrd="0" presId="urn:microsoft.com/office/officeart/2005/8/layout/bProcess3"/>
     <dgm:cxn modelId="{E34E220D-46F8-477A-9EF0-7DBC7A2DF3AA}" type="presOf" srcId="{4C08D1B8-AE00-49A5-88B2-04654168C37D}" destId="{57B5A0A7-DC08-47F9-BC08-95B0C8DFE653}" srcOrd="0" destOrd="0" presId="urn:microsoft.com/office/officeart/2005/8/layout/bProcess3"/>
-    <dgm:cxn modelId="{5793E40F-345B-4333-8C72-4E82002246AA}" srcId="{4C08D1B8-AE00-49A5-88B2-04654168C37D}" destId="{B15D1372-5566-49ED-9717-B85083C365C5}" srcOrd="2" destOrd="0" parTransId="{F61A41E8-EC22-444A-BAF7-20038351088B}" sibTransId="{34A81CA4-9286-4C4B-84A1-4F5A4E7E4A7A}"/>
-    <dgm:cxn modelId="{883FED1C-6AF5-497F-9108-525E3218F34A}" type="presOf" srcId="{48D0C688-861D-4FFD-8ABF-E972B221161D}" destId="{07C378D1-E6FE-4CDA-850B-F2499600AAF5}" srcOrd="0" destOrd="0" presId="urn:microsoft.com/office/officeart/2005/8/layout/bProcess3"/>
-    <dgm:cxn modelId="{A14B0E34-A739-415D-9F8E-BA8E451F707F}" type="presOf" srcId="{838960E0-B0ED-4AB1-949C-92C460FB5D47}" destId="{1E6DE5A9-3210-4578-83FD-A7B98274150B}" srcOrd="0" destOrd="0" presId="urn:microsoft.com/office/officeart/2005/8/layout/bProcess3"/>
-    <dgm:cxn modelId="{ADB8003E-656B-489D-BD03-EAA8E815B9B5}" type="presOf" srcId="{B15D1372-5566-49ED-9717-B85083C365C5}" destId="{B0EF376C-2DB2-41F2-B2D2-E62C41990D2E}" srcOrd="0" destOrd="0" presId="urn:microsoft.com/office/officeart/2005/8/layout/bProcess3"/>
-    <dgm:cxn modelId="{E9621940-B7FA-46AE-8130-2BE532323E24}" type="presOf" srcId="{34A81CA4-9286-4C4B-84A1-4F5A4E7E4A7A}" destId="{BF76A627-718D-40A9-8B57-D3E9083C6381}" srcOrd="0" destOrd="0" presId="urn:microsoft.com/office/officeart/2005/8/layout/bProcess3"/>
-    <dgm:cxn modelId="{0128435C-B3A6-4C9E-B0C0-601FA3833E8E}" type="presOf" srcId="{121B5633-C78A-436F-826B-4A00C3968F7C}" destId="{02450B41-26D1-4AE7-B532-9F58C8CFD291}" srcOrd="0" destOrd="0" presId="urn:microsoft.com/office/officeart/2005/8/layout/bProcess3"/>
-    <dgm:cxn modelId="{2C046F60-098D-4633-A3E9-C4C2FC0E6EC7}" srcId="{4C08D1B8-AE00-49A5-88B2-04654168C37D}" destId="{B74EF89B-A008-4CA8-853E-DCBC17941800}" srcOrd="4" destOrd="0" parTransId="{CCFA42A2-A998-4EE1-B9FE-9AB912C560D2}" sibTransId="{C4E1A227-2332-4FC7-A9BB-FB169C2454B0}"/>
+    <dgm:cxn modelId="{336A1BF3-A165-4A3E-B0A3-A2B5DA74BE5F}" type="presOf" srcId="{F21A83E7-FA3C-47A9-B3CB-9C1BC1C49377}" destId="{CB35E25D-0678-47B7-AEF9-091905CA03FB}" srcOrd="0" destOrd="0" presId="urn:microsoft.com/office/officeart/2005/8/layout/bProcess3"/>
     <dgm:cxn modelId="{6C6A8386-9BBA-49D9-8085-81ABF2344679}" srcId="{4C08D1B8-AE00-49A5-88B2-04654168C37D}" destId="{F21A83E7-FA3C-47A9-B3CB-9C1BC1C49377}" srcOrd="5" destOrd="0" parTransId="{2D4D3098-0EDB-4365-9175-7418B06C2B8B}" sibTransId="{36E17DF7-DBCB-4539-90D2-0AA73E044D22}"/>
-    <dgm:cxn modelId="{79E299A5-415E-44C8-AE9C-8094559F99DD}" srcId="{4C08D1B8-AE00-49A5-88B2-04654168C37D}" destId="{838960E0-B0ED-4AB1-949C-92C460FB5D47}" srcOrd="0" destOrd="0" parTransId="{7E3A1272-47E4-451E-99D0-0E45A3E0E5EF}" sibTransId="{8720C469-BB3F-4F5D-9EE9-A4487D8DD3EE}"/>
-    <dgm:cxn modelId="{55AA15AD-FE27-423F-A53D-6B14941D9F4B}" type="presOf" srcId="{8720C469-BB3F-4F5D-9EE9-A4487D8DD3EE}" destId="{503F67E7-F078-4E22-95F8-3F0A12E5A367}" srcOrd="0" destOrd="0" presId="urn:microsoft.com/office/officeart/2005/8/layout/bProcess3"/>
-    <dgm:cxn modelId="{24F75CB2-B2D0-4591-915F-9A2DFA0121DC}" srcId="{4C08D1B8-AE00-49A5-88B2-04654168C37D}" destId="{B87AF69D-6D3E-41A9-9F2F-BDA02D6B1D7D}" srcOrd="3" destOrd="0" parTransId="{23D2BDF5-9C67-450F-8131-73CEBC1B8779}" sibTransId="{121B5633-C78A-436F-826B-4A00C3968F7C}"/>
-    <dgm:cxn modelId="{D16AC7BC-7199-418A-96C0-40DE2D8B7815}" srcId="{4C08D1B8-AE00-49A5-88B2-04654168C37D}" destId="{48D0C688-861D-4FFD-8ABF-E972B221161D}" srcOrd="1" destOrd="0" parTransId="{B142CF86-A96C-4018-9308-72D788731CB0}" sibTransId="{9250E9B6-BBC1-41C8-AA83-C6F2DE6A56C5}"/>
-    <dgm:cxn modelId="{0BAEE1BC-1A7B-48D5-8E15-A5BC10EDF5BB}" type="presOf" srcId="{B74EF89B-A008-4CA8-853E-DCBC17941800}" destId="{5E0FCCC8-ACF4-4FB8-8F04-9B07695E2C0D}" srcOrd="0" destOrd="0" presId="urn:microsoft.com/office/officeart/2005/8/layout/bProcess3"/>
+    <dgm:cxn modelId="{A71A86FA-C146-4FB9-A008-2CCB6630DAB1}" type="presOf" srcId="{C4E1A227-2332-4FC7-A9BB-FB169C2454B0}" destId="{A5E1047B-578D-46EB-8306-9A80D1F583C6}" srcOrd="1" destOrd="0" presId="urn:microsoft.com/office/officeart/2005/8/layout/bProcess3"/>
     <dgm:cxn modelId="{4F2FAEBD-AD9B-482F-92B9-24A220233EAF}" type="presOf" srcId="{9250E9B6-BBC1-41C8-AA83-C6F2DE6A56C5}" destId="{53A76E2B-45E2-4199-8DA6-CAA663645202}" srcOrd="1" destOrd="0" presId="urn:microsoft.com/office/officeart/2005/8/layout/bProcess3"/>
-    <dgm:cxn modelId="{DF0910C3-5A46-433E-AA2F-560B1D014BD0}" type="presOf" srcId="{9250E9B6-BBC1-41C8-AA83-C6F2DE6A56C5}" destId="{2A8540BC-CC6E-494B-AAB4-AC1951672CA3}" srcOrd="0" destOrd="0" presId="urn:microsoft.com/office/officeart/2005/8/layout/bProcess3"/>
-    <dgm:cxn modelId="{CB026BC8-1509-4C3F-A13B-582A4E03557A}" type="presOf" srcId="{C4E1A227-2332-4FC7-A9BB-FB169C2454B0}" destId="{D0F82B41-16C5-43A2-A570-6E0D39E5579D}" srcOrd="0" destOrd="0" presId="urn:microsoft.com/office/officeart/2005/8/layout/bProcess3"/>
-    <dgm:cxn modelId="{FEED1AE9-38E4-42F1-8E86-D85007A441A4}" type="presOf" srcId="{34A81CA4-9286-4C4B-84A1-4F5A4E7E4A7A}" destId="{BDAB0FB3-B532-4FC7-BEBA-BEA5B754E163}" srcOrd="1" destOrd="0" presId="urn:microsoft.com/office/officeart/2005/8/layout/bProcess3"/>
-    <dgm:cxn modelId="{336A1BF3-A165-4A3E-B0A3-A2B5DA74BE5F}" type="presOf" srcId="{F21A83E7-FA3C-47A9-B3CB-9C1BC1C49377}" destId="{CB35E25D-0678-47B7-AEF9-091905CA03FB}" srcOrd="0" destOrd="0" presId="urn:microsoft.com/office/officeart/2005/8/layout/bProcess3"/>
-    <dgm:cxn modelId="{C8DBF9F5-5BE0-40B7-AC3A-2BD7C47DE35E}" type="presOf" srcId="{B87AF69D-6D3E-41A9-9F2F-BDA02D6B1D7D}" destId="{B95BDC33-6421-4D5B-89D1-1E32E947A708}" srcOrd="0" destOrd="0" presId="urn:microsoft.com/office/officeart/2005/8/layout/bProcess3"/>
-    <dgm:cxn modelId="{0A07ECF9-E52D-4556-8056-9AE601EAF778}" type="presOf" srcId="{121B5633-C78A-436F-826B-4A00C3968F7C}" destId="{E9EB2C80-8466-48B9-AEB9-44240FDD282B}" srcOrd="1" destOrd="0" presId="urn:microsoft.com/office/officeart/2005/8/layout/bProcess3"/>
-    <dgm:cxn modelId="{A71A86FA-C146-4FB9-A008-2CCB6630DAB1}" type="presOf" srcId="{C4E1A227-2332-4FC7-A9BB-FB169C2454B0}" destId="{A5E1047B-578D-46EB-8306-9A80D1F583C6}" srcOrd="1" destOrd="0" presId="urn:microsoft.com/office/officeart/2005/8/layout/bProcess3"/>
-    <dgm:cxn modelId="{239880FE-4AD7-41F2-AEC3-4F27D26A01D2}" type="presOf" srcId="{8720C469-BB3F-4F5D-9EE9-A4487D8DD3EE}" destId="{11937690-6A1D-458C-9C11-A2B3BF00303D}" srcOrd="1" destOrd="0" presId="urn:microsoft.com/office/officeart/2005/8/layout/bProcess3"/>
     <dgm:cxn modelId="{BC0B84F0-AFBD-4359-BBAB-4808B166331D}" type="presParOf" srcId="{57B5A0A7-DC08-47F9-BC08-95B0C8DFE653}" destId="{1E6DE5A9-3210-4578-83FD-A7B98274150B}" srcOrd="0" destOrd="0" presId="urn:microsoft.com/office/officeart/2005/8/layout/bProcess3"/>
     <dgm:cxn modelId="{F5EF1CDF-2A23-4D7C-BAE7-AD99652BE883}" type="presParOf" srcId="{57B5A0A7-DC08-47F9-BC08-95B0C8DFE653}" destId="{503F67E7-F078-4E22-95F8-3F0A12E5A367}" srcOrd="1" destOrd="0" presId="urn:microsoft.com/office/officeart/2005/8/layout/bProcess3"/>
     <dgm:cxn modelId="{11E27552-C623-4672-9DBA-322A0C193F23}" type="presParOf" srcId="{503F67E7-F078-4E22-95F8-3F0A12E5A367}" destId="{11937690-6A1D-458C-9C11-A2B3BF00303D}" srcOrd="0" destOrd="0" presId="urn:microsoft.com/office/officeart/2005/8/layout/bProcess3"/>
@@ -2067,7 +2184,7 @@
         </a:bodyPr>
         <a:lstStyle/>
         <a:p>
-          <a:pPr marL="0" lvl="0" indent="0" algn="ctr" defTabSz="222250">
+          <a:pPr lvl="0" algn="ctr" defTabSz="222250">
             <a:lnSpc>
               <a:spcPct val="90000"/>
             </a:lnSpc>
@@ -2154,7 +2271,7 @@
         </a:bodyPr>
         <a:lstStyle/>
         <a:p>
-          <a:pPr marL="0" lvl="0" indent="0" algn="ctr" defTabSz="1377950">
+          <a:pPr lvl="0" algn="ctr" defTabSz="1377950">
             <a:lnSpc>
               <a:spcPct val="90000"/>
             </a:lnSpc>
@@ -2245,7 +2362,7 @@
         </a:bodyPr>
         <a:lstStyle/>
         <a:p>
-          <a:pPr marL="0" lvl="0" indent="0" algn="ctr" defTabSz="222250">
+          <a:pPr lvl="0" algn="ctr" defTabSz="222250">
             <a:lnSpc>
               <a:spcPct val="90000"/>
             </a:lnSpc>
@@ -2332,7 +2449,7 @@
         </a:bodyPr>
         <a:lstStyle/>
         <a:p>
-          <a:pPr marL="0" lvl="0" indent="0" algn="ctr" defTabSz="1377950">
+          <a:pPr lvl="0" algn="ctr" defTabSz="1377950">
             <a:lnSpc>
               <a:spcPct val="90000"/>
             </a:lnSpc>
@@ -2429,7 +2546,7 @@
         </a:bodyPr>
         <a:lstStyle/>
         <a:p>
-          <a:pPr marL="0" lvl="0" indent="0" algn="ctr" defTabSz="222250">
+          <a:pPr lvl="0" algn="ctr" defTabSz="222250">
             <a:lnSpc>
               <a:spcPct val="90000"/>
             </a:lnSpc>
@@ -2516,7 +2633,7 @@
         </a:bodyPr>
         <a:lstStyle/>
         <a:p>
-          <a:pPr marL="0" lvl="0" indent="0" algn="ctr" defTabSz="1377950">
+          <a:pPr lvl="0" algn="ctr" defTabSz="1377950">
             <a:lnSpc>
               <a:spcPct val="90000"/>
             </a:lnSpc>
@@ -2607,7 +2724,7 @@
         </a:bodyPr>
         <a:lstStyle/>
         <a:p>
-          <a:pPr marL="0" lvl="0" indent="0" algn="ctr" defTabSz="222250">
+          <a:pPr lvl="0" algn="ctr" defTabSz="222250">
             <a:lnSpc>
               <a:spcPct val="90000"/>
             </a:lnSpc>
@@ -2694,7 +2811,7 @@
         </a:bodyPr>
         <a:lstStyle/>
         <a:p>
-          <a:pPr marL="0" lvl="0" indent="0" algn="ctr" defTabSz="1377950">
+          <a:pPr lvl="0" algn="ctr" defTabSz="1377950">
             <a:lnSpc>
               <a:spcPct val="90000"/>
             </a:lnSpc>
@@ -2785,7 +2902,7 @@
         </a:bodyPr>
         <a:lstStyle/>
         <a:p>
-          <a:pPr marL="0" lvl="0" indent="0" algn="ctr" defTabSz="222250">
+          <a:pPr lvl="0" algn="ctr" defTabSz="222250">
             <a:lnSpc>
               <a:spcPct val="90000"/>
             </a:lnSpc>
@@ -2872,7 +2989,7 @@
         </a:bodyPr>
         <a:lstStyle/>
         <a:p>
-          <a:pPr marL="0" lvl="0" indent="0" algn="ctr" defTabSz="1377950">
+          <a:pPr lvl="0" algn="ctr" defTabSz="1377950">
             <a:lnSpc>
               <a:spcPct val="90000"/>
             </a:lnSpc>
@@ -2957,7 +3074,7 @@
         </a:bodyPr>
         <a:lstStyle/>
         <a:p>
-          <a:pPr marL="0" lvl="0" indent="0" algn="ctr" defTabSz="1377950">
+          <a:pPr lvl="0" algn="ctr" defTabSz="1377950">
             <a:lnSpc>
               <a:spcPct val="90000"/>
             </a:lnSpc>
@@ -7199,7 +7316,7 @@
           </a:ln>
           <a:extLst>
             <a:ext uri="{C572A759-6A51-4108-AA02-DFA0A04FC94B}">
-              <ma14:wrappingTextBoxFlag xmlns:ma14="http://schemas.microsoft.com/office/mac/drawingml/2011/main" xmlns:a14="http://schemas.microsoft.com/office/drawing/2010/main" xmlns:m="http://schemas.openxmlformats.org/officeDocument/2006/math" xmlns="" val="1"/>
+              <ma14:wrappingTextBoxFlag xmlns="" xmlns:m="http://schemas.openxmlformats.org/officeDocument/2006/math" xmlns:a14="http://schemas.microsoft.com/office/drawing/2010/main" xmlns:ma14="http://schemas.microsoft.com/office/mac/drawingml/2011/main" val="1"/>
             </a:ext>
           </a:extLst>
         </p:spPr>
@@ -7238,7 +7355,7 @@
           </a:ln>
           <a:extLst>
             <a:ext uri="{C572A759-6A51-4108-AA02-DFA0A04FC94B}">
-              <ma14:wrappingTextBoxFlag xmlns:ma14="http://schemas.microsoft.com/office/mac/drawingml/2011/main" xmlns:a14="http://schemas.microsoft.com/office/drawing/2010/main" xmlns:m="http://schemas.openxmlformats.org/officeDocument/2006/math" xmlns="" val="1"/>
+              <ma14:wrappingTextBoxFlag xmlns="" xmlns:m="http://schemas.openxmlformats.org/officeDocument/2006/math" xmlns:a14="http://schemas.microsoft.com/office/drawing/2010/main" xmlns:ma14="http://schemas.microsoft.com/office/mac/drawingml/2011/main" val="1"/>
             </a:ext>
           </a:extLst>
         </p:spPr>
@@ -8445,7 +8562,7 @@
           </a:ln>
           <a:extLst>
             <a:ext uri="{C572A759-6A51-4108-AA02-DFA0A04FC94B}">
-              <ma14:wrappingTextBoxFlag xmlns:ma14="http://schemas.microsoft.com/office/mac/drawingml/2011/main" xmlns:a14="http://schemas.microsoft.com/office/drawing/2010/main" xmlns:m="http://schemas.openxmlformats.org/officeDocument/2006/math" xmlns="" val="1"/>
+              <ma14:wrappingTextBoxFlag xmlns="" xmlns:m="http://schemas.openxmlformats.org/officeDocument/2006/math" xmlns:a14="http://schemas.microsoft.com/office/drawing/2010/main" xmlns:ma14="http://schemas.microsoft.com/office/mac/drawingml/2011/main" val="1"/>
             </a:ext>
           </a:extLst>
         </p:spPr>
@@ -8827,936 +8944,209 @@
       </p:grpSpPr>
       <p:sp>
         <p:nvSpPr>
-          <p:cNvPr id="157" name="Title 1"/>
-          <p:cNvSpPr txBox="1">
+          <p:cNvPr id="2" name="Title 1"/>
+          <p:cNvSpPr>
             <a:spLocks noGrp="1"/>
           </p:cNvSpPr>
           <p:nvPr>
             <p:ph type="title"/>
           </p:nvPr>
         </p:nvSpPr>
-        <p:spPr>
-          <a:prstGeom prst="rect">
-            <a:avLst/>
-          </a:prstGeom>
-        </p:spPr>
+        <p:spPr/>
         <p:txBody>
           <a:bodyPr/>
           <a:lstStyle/>
           <a:p>
             <a:r>
-              <a:t>References </a:t>
-            </a:r>
+              <a:rPr lang="en-US" dirty="0" smtClean="0"/>
+              <a:t>References</a:t>
+            </a:r>
+            <a:endParaRPr lang="en-US" dirty="0"/>
           </a:p>
         </p:txBody>
       </p:sp>
       <p:sp>
         <p:nvSpPr>
-          <p:cNvPr id="158" name="Content Placeholder 6"/>
-          <p:cNvSpPr txBox="1">
+          <p:cNvPr id="3" name="Text Placeholder 2"/>
+          <p:cNvSpPr>
             <a:spLocks noGrp="1"/>
           </p:cNvSpPr>
           <p:nvPr>
             <p:ph type="body" idx="1"/>
           </p:nvPr>
         </p:nvSpPr>
-        <p:spPr>
-          <a:prstGeom prst="rect">
-            <a:avLst/>
-          </a:prstGeom>
-        </p:spPr>
+        <p:spPr/>
         <p:txBody>
           <a:bodyPr>
-            <a:normAutofit fontScale="25000" lnSpcReduction="20000"/>
+            <a:normAutofit lnSpcReduction="10000"/>
           </a:bodyPr>
           <a:lstStyle/>
           <a:p>
-            <a:pPr marL="0" indent="0" defTabSz="361188">
-              <a:lnSpc>
-                <a:spcPts val="2900"/>
-              </a:lnSpc>
-              <a:spcBef>
-                <a:spcPts val="0"/>
-              </a:spcBef>
-              <a:buSzTx/>
-              <a:buFontTx/>
+            <a:pPr marL="0" indent="0">
               <a:buNone/>
-              <a:defRPr sz="1158" u="sng">
-                <a:solidFill>
-                  <a:srgbClr val="1155CC"/>
-                </a:solidFill>
-                <a:latin typeface="Arial"/>
-                <a:ea typeface="Arial"/>
-                <a:cs typeface="Arial"/>
-                <a:sym typeface="Arial"/>
-              </a:defRPr>
             </a:pPr>
             <a:r>
-              <a:rPr u="none" dirty="0">
-                <a:solidFill>
-                  <a:srgbClr val="000000"/>
-                </a:solidFill>
-              </a:rPr>
-              <a:t>NLTK - Naive Bayes: </a:t>
-            </a:r>
-            <a:r>
-              <a:rPr dirty="0">
-                <a:solidFill>
-                  <a:schemeClr val="accent5"/>
-                </a:solidFill>
-                <a:uFill>
-                  <a:solidFill>
-                    <a:schemeClr val="accent5"/>
-                  </a:solidFill>
-                </a:uFill>
+              <a:rPr lang="en-US" dirty="0" err="1"/>
+              <a:t>Chaithra</a:t>
+            </a:r>
+            <a:r>
+              <a:rPr lang="en-US" dirty="0"/>
+              <a:t>, V. D. (2019). Hybrid approach: </a:t>
+            </a:r>
+            <a:r>
+              <a:rPr lang="en-US" dirty="0" smtClean="0"/>
+              <a:t>Naive </a:t>
+            </a:r>
+            <a:r>
+              <a:rPr lang="en-US" dirty="0" err="1"/>
+              <a:t>bayes</a:t>
+            </a:r>
+            <a:r>
+              <a:rPr lang="en-US" dirty="0"/>
+              <a:t> and sentiment VADER for analyzing sentiment of mobile unboxing video comments. </a:t>
+            </a:r>
+            <a:r>
+              <a:rPr lang="en-US" dirty="0" smtClean="0"/>
+              <a:t>International </a:t>
+            </a:r>
+            <a:r>
+              <a:rPr lang="en-US" dirty="0"/>
+              <a:t>Journal of Electrical and Computer Engineering (IJECE), </a:t>
+            </a:r>
+            <a:r>
+              <a:rPr lang="en-US" dirty="0" smtClean="0"/>
+              <a:t>9(5</a:t>
+            </a:r>
+            <a:r>
+              <a:rPr lang="en-US" dirty="0"/>
+              <a:t>), 4452-4459</a:t>
+            </a:r>
+            <a:r>
+              <a:rPr lang="en-US" dirty="0" smtClean="0"/>
+              <a:t>.</a:t>
+            </a:r>
+            <a:endParaRPr lang="en-US" dirty="0"/>
+          </a:p>
+          <a:p>
+            <a:pPr marL="0" indent="0">
+              <a:buNone/>
+            </a:pPr>
+            <a:r>
+              <a:rPr lang="en-US" dirty="0"/>
+              <a:t>Gilbert, C. H. E., &amp; </a:t>
+            </a:r>
+            <a:r>
+              <a:rPr lang="en-US" dirty="0" err="1"/>
+              <a:t>Hutto</a:t>
+            </a:r>
+            <a:r>
+              <a:rPr lang="en-US" dirty="0"/>
+              <a:t>, E. (2014, June). Vader: A parsimonious rule-based model for sentiment analysis of social media text. In </a:t>
+            </a:r>
+            <a:r>
+              <a:rPr lang="en-US" dirty="0" smtClean="0"/>
+              <a:t>Eighth </a:t>
+            </a:r>
+            <a:r>
+              <a:rPr lang="en-US" dirty="0"/>
+              <a:t>International Conference on Weblogs and Social Media (ICWSM-14</a:t>
+            </a:r>
+            <a:r>
+              <a:rPr lang="en-US" dirty="0" smtClean="0"/>
+              <a:t>). </a:t>
+            </a:r>
+            <a:r>
+              <a:rPr lang="en-US" dirty="0"/>
+              <a:t>Available at (20/04/16) </a:t>
+            </a:r>
+            <a:r>
+              <a:rPr lang="en-US" dirty="0" smtClean="0"/>
+              <a:t>http</a:t>
+            </a:r>
+            <a:r>
+              <a:rPr lang="en-US" dirty="0"/>
+              <a:t>://comp.social.gatech.edu/papers/icwsm14.vader.hutto.pdf (Vol. 81, p. 82).</a:t>
+            </a:r>
+          </a:p>
+          <a:p>
+            <a:pPr marL="0" indent="0">
+              <a:buNone/>
+            </a:pPr>
+            <a:r>
+              <a:rPr lang="en-US" dirty="0" err="1" smtClean="0"/>
+              <a:t>Jabeen</a:t>
+            </a:r>
+            <a:r>
+              <a:rPr lang="en-US" dirty="0" smtClean="0"/>
+              <a:t>, H. (2018). Stemming and lemmatization in Python. </a:t>
+            </a:r>
+            <a:r>
+              <a:rPr lang="en-US" dirty="0" err="1" smtClean="0"/>
+              <a:t>Datacamp</a:t>
+            </a:r>
+            <a:r>
+              <a:rPr lang="en-US" dirty="0"/>
+              <a:t>. </a:t>
+            </a:r>
+            <a:r>
+              <a:rPr lang="en-US" dirty="0">
                 <a:hlinkClick r:id="rId2"/>
               </a:rPr>
-              <a:t>https://www.digitalocean.com/community/tutorials/how-to-perform-sentiment-analysis-in-python-3-using-the-natural-language-toolkit-nltk</a:t>
-            </a:r>
-            <a:r>
-              <a:rPr u="none" dirty="0">
-                <a:solidFill>
-                  <a:srgbClr val="000000"/>
-                </a:solidFill>
+              <a:t>https://</a:t>
+            </a:r>
+            <a:r>
+              <a:rPr lang="en-US" dirty="0" smtClean="0">
+                <a:hlinkClick r:id="rId2"/>
               </a:rPr>
-              <a:t> </a:t>
-            </a:r>
-            <a:endParaRPr sz="948" u="none" dirty="0">
-              <a:solidFill>
-                <a:srgbClr val="000000"/>
-              </a:solidFill>
-              <a:latin typeface="Times"/>
-              <a:ea typeface="Times"/>
-              <a:cs typeface="Times"/>
-              <a:sym typeface="Times"/>
-            </a:endParaRPr>
-          </a:p>
-          <a:p>
-            <a:pPr marL="0" indent="0" defTabSz="361188">
-              <a:lnSpc>
-                <a:spcPct val="100000"/>
-              </a:lnSpc>
-              <a:spcBef>
-                <a:spcPts val="0"/>
-              </a:spcBef>
-              <a:buSzTx/>
-              <a:buFontTx/>
+              <a:t>www.datacamp.com/community/tutorials/stemming-lemmatization-python</a:t>
+            </a:r>
+            <a:r>
+              <a:rPr lang="en-US" dirty="0" smtClean="0"/>
+              <a:t> </a:t>
+            </a:r>
+          </a:p>
+          <a:p>
+            <a:pPr marL="0" indent="0">
               <a:buNone/>
-              <a:defRPr sz="948">
-                <a:solidFill>
-                  <a:srgbClr val="000000"/>
-                </a:solidFill>
-                <a:latin typeface="Times"/>
-                <a:ea typeface="Times"/>
-                <a:cs typeface="Times"/>
-                <a:sym typeface="Times"/>
-              </a:defRPr>
             </a:pPr>
-            <a:endParaRPr sz="948" u="none" dirty="0">
-              <a:solidFill>
-                <a:srgbClr val="000000"/>
-              </a:solidFill>
-              <a:latin typeface="Times"/>
-              <a:ea typeface="Times"/>
-              <a:cs typeface="Times"/>
-              <a:sym typeface="Times"/>
-            </a:endParaRPr>
-          </a:p>
-          <a:p>
-            <a:pPr marL="0" indent="0" defTabSz="361188">
-              <a:lnSpc>
-                <a:spcPts val="2900"/>
-              </a:lnSpc>
-              <a:spcBef>
-                <a:spcPts val="0"/>
-              </a:spcBef>
-              <a:buSzTx/>
-              <a:buFontTx/>
-              <a:buNone/>
-              <a:defRPr sz="1158">
-                <a:solidFill>
-                  <a:srgbClr val="000000"/>
-                </a:solidFill>
-                <a:latin typeface="Arial"/>
-                <a:ea typeface="Arial"/>
-                <a:cs typeface="Arial"/>
-                <a:sym typeface="Arial"/>
-              </a:defRPr>
-            </a:pPr>
-            <a:r>
-              <a:rPr dirty="0"/>
-              <a:t>General Overview/</a:t>
-            </a:r>
-            <a:r>
-              <a:rPr dirty="0" err="1"/>
-              <a:t>spaCy</a:t>
-            </a:r>
-            <a:r>
-              <a:rPr dirty="0"/>
-              <a:t>: </a:t>
-            </a:r>
-            <a:endParaRPr sz="948" dirty="0">
-              <a:latin typeface="Times"/>
-              <a:ea typeface="Times"/>
-              <a:cs typeface="Times"/>
-              <a:sym typeface="Times"/>
-            </a:endParaRPr>
-          </a:p>
-          <a:p>
-            <a:pPr marL="0" indent="0" defTabSz="361188">
-              <a:lnSpc>
-                <a:spcPts val="2900"/>
-              </a:lnSpc>
-              <a:spcBef>
-                <a:spcPts val="0"/>
-              </a:spcBef>
-              <a:buSzTx/>
-              <a:buFontTx/>
-              <a:buNone/>
-              <a:defRPr sz="1158" u="sng">
-                <a:solidFill>
-                  <a:srgbClr val="1155CC"/>
-                </a:solidFill>
-                <a:latin typeface="Arial"/>
-                <a:ea typeface="Arial"/>
-                <a:cs typeface="Arial"/>
-                <a:sym typeface="Arial"/>
-              </a:defRPr>
-            </a:pPr>
-            <a:r>
-              <a:rPr dirty="0">
-                <a:solidFill>
-                  <a:schemeClr val="accent5"/>
-                </a:solidFill>
-                <a:uFill>
-                  <a:solidFill>
-                    <a:schemeClr val="accent5"/>
-                  </a:solidFill>
-                </a:uFill>
+            <a:r>
+              <a:rPr lang="en-US" dirty="0" err="1" smtClean="0"/>
+              <a:t>Stratis</a:t>
+            </a:r>
+            <a:r>
+              <a:rPr lang="en-US" dirty="0" smtClean="0"/>
+              <a:t>, K. (2020). Use sentiment analysis with Python to classify movie reviews. </a:t>
+            </a:r>
+            <a:r>
+              <a:rPr lang="en-US" dirty="0"/>
+              <a:t>Real Python. </a:t>
+            </a:r>
+            <a:r>
+              <a:rPr lang="en-US" dirty="0">
                 <a:hlinkClick r:id="rId3"/>
               </a:rPr>
-              <a:t>https://realpython.com/sentiment-analysis-python/</a:t>
-            </a:r>
-            <a:r>
-              <a:rPr u="none" dirty="0">
-                <a:solidFill>
-                  <a:srgbClr val="000000"/>
-                </a:solidFill>
-              </a:rPr>
-              <a:t> </a:t>
-            </a:r>
-            <a:endParaRPr sz="948" u="none" dirty="0">
-              <a:solidFill>
-                <a:srgbClr val="000000"/>
-              </a:solidFill>
-              <a:latin typeface="Times"/>
-              <a:ea typeface="Times"/>
-              <a:cs typeface="Times"/>
-              <a:sym typeface="Times"/>
-            </a:endParaRPr>
-          </a:p>
-          <a:p>
-            <a:pPr marL="0" indent="0" defTabSz="361188">
-              <a:lnSpc>
-                <a:spcPct val="100000"/>
-              </a:lnSpc>
-              <a:spcBef>
-                <a:spcPts val="0"/>
-              </a:spcBef>
-              <a:buSzTx/>
-              <a:buFontTx/>
-              <a:buNone/>
-              <a:defRPr sz="948">
-                <a:solidFill>
-                  <a:srgbClr val="000000"/>
-                </a:solidFill>
-                <a:latin typeface="Times"/>
-                <a:ea typeface="Times"/>
-                <a:cs typeface="Times"/>
-                <a:sym typeface="Times"/>
-              </a:defRPr>
-            </a:pPr>
-            <a:endParaRPr sz="948" u="none" dirty="0">
-              <a:solidFill>
-                <a:srgbClr val="000000"/>
-              </a:solidFill>
-              <a:latin typeface="Times"/>
-              <a:ea typeface="Times"/>
-              <a:cs typeface="Times"/>
-              <a:sym typeface="Times"/>
-            </a:endParaRPr>
-          </a:p>
-          <a:p>
-            <a:pPr marL="0" indent="0" defTabSz="361188">
-              <a:lnSpc>
-                <a:spcPts val="2900"/>
-              </a:lnSpc>
-              <a:spcBef>
-                <a:spcPts val="0"/>
-              </a:spcBef>
-              <a:buSzTx/>
-              <a:buFontTx/>
-              <a:buNone/>
-              <a:defRPr sz="1158" u="sng">
-                <a:solidFill>
-                  <a:srgbClr val="1155CC"/>
-                </a:solidFill>
-                <a:latin typeface="Arial"/>
-                <a:ea typeface="Arial"/>
-                <a:cs typeface="Arial"/>
-                <a:sym typeface="Arial"/>
-              </a:defRPr>
-            </a:pPr>
-            <a:r>
-              <a:rPr u="none" dirty="0" err="1">
-                <a:solidFill>
-                  <a:srgbClr val="000000"/>
-                </a:solidFill>
-              </a:rPr>
-              <a:t>SKLearn</a:t>
-            </a:r>
-            <a:r>
-              <a:rPr u="none" dirty="0">
-                <a:solidFill>
-                  <a:srgbClr val="000000"/>
-                </a:solidFill>
-              </a:rPr>
-              <a:t>: </a:t>
-            </a:r>
-            <a:r>
-              <a:rPr dirty="0">
-                <a:solidFill>
-                  <a:schemeClr val="accent5"/>
-                </a:solidFill>
-                <a:uFill>
-                  <a:solidFill>
-                    <a:schemeClr val="accent5"/>
-                  </a:solidFill>
-                </a:uFill>
-                <a:hlinkClick r:id="rId4"/>
-              </a:rPr>
-              <a:t>https://stackabuse.com/python-for-nlp-sentiment-analysis-with-scikit-learn/</a:t>
-            </a:r>
-            <a:endParaRPr sz="948" u="none" dirty="0">
-              <a:solidFill>
-                <a:srgbClr val="000000"/>
-              </a:solidFill>
-              <a:latin typeface="Times"/>
-              <a:ea typeface="Times"/>
-              <a:cs typeface="Times"/>
-              <a:sym typeface="Times"/>
-            </a:endParaRPr>
-          </a:p>
-          <a:p>
-            <a:pPr marL="0" indent="0" defTabSz="361188">
-              <a:lnSpc>
-                <a:spcPct val="100000"/>
-              </a:lnSpc>
-              <a:spcBef>
-                <a:spcPts val="0"/>
-              </a:spcBef>
-              <a:buSzTx/>
-              <a:buFontTx/>
-              <a:buNone/>
-              <a:defRPr sz="948">
-                <a:solidFill>
-                  <a:srgbClr val="000000"/>
-                </a:solidFill>
-                <a:latin typeface="Times"/>
-                <a:ea typeface="Times"/>
-                <a:cs typeface="Times"/>
-                <a:sym typeface="Times"/>
-              </a:defRPr>
-            </a:pPr>
-            <a:endParaRPr sz="948" u="none" dirty="0">
-              <a:solidFill>
-                <a:srgbClr val="000000"/>
-              </a:solidFill>
-              <a:latin typeface="Times"/>
-              <a:ea typeface="Times"/>
-              <a:cs typeface="Times"/>
-              <a:sym typeface="Times"/>
-            </a:endParaRPr>
-          </a:p>
-          <a:p>
-            <a:pPr marL="0" indent="0" defTabSz="361188">
-              <a:lnSpc>
-                <a:spcPts val="2900"/>
-              </a:lnSpc>
-              <a:spcBef>
-                <a:spcPts val="0"/>
-              </a:spcBef>
-              <a:buSzTx/>
-              <a:buFontTx/>
-              <a:buNone/>
-              <a:defRPr sz="1158" u="sng">
-                <a:solidFill>
-                  <a:srgbClr val="1155CC"/>
-                </a:solidFill>
-                <a:latin typeface="Arial"/>
-                <a:ea typeface="Arial"/>
-                <a:cs typeface="Arial"/>
-                <a:sym typeface="Arial"/>
-              </a:defRPr>
-            </a:pPr>
-            <a:r>
-              <a:rPr u="none" dirty="0" err="1">
-                <a:solidFill>
-                  <a:srgbClr val="000000"/>
-                </a:solidFill>
-              </a:rPr>
-              <a:t>SKLearn</a:t>
-            </a:r>
-            <a:r>
-              <a:rPr u="none" dirty="0">
-                <a:solidFill>
-                  <a:srgbClr val="000000"/>
-                </a:solidFill>
-              </a:rPr>
-              <a:t> (no preprocessing - straight bag of words, binary classification): </a:t>
-            </a:r>
-            <a:r>
-              <a:rPr dirty="0">
-                <a:solidFill>
-                  <a:schemeClr val="accent5"/>
-                </a:solidFill>
-                <a:uFill>
-                  <a:solidFill>
-                    <a:schemeClr val="accent5"/>
-                  </a:solidFill>
-                </a:uFill>
-                <a:hlinkClick r:id="rId5"/>
-              </a:rPr>
-              <a:t>https://towardsdatascience.com/a-beginners-guide-to-sentiment-analysis-in-python-95e354ea84f6</a:t>
-            </a:r>
-            <a:endParaRPr sz="948" u="none" dirty="0">
-              <a:solidFill>
-                <a:srgbClr val="000000"/>
-              </a:solidFill>
-              <a:latin typeface="Times"/>
-              <a:ea typeface="Times"/>
-              <a:cs typeface="Times"/>
-              <a:sym typeface="Times"/>
-            </a:endParaRPr>
-          </a:p>
-          <a:p>
-            <a:pPr marL="0" indent="0" defTabSz="361188">
-              <a:lnSpc>
-                <a:spcPct val="100000"/>
-              </a:lnSpc>
-              <a:spcBef>
-                <a:spcPts val="0"/>
-              </a:spcBef>
-              <a:buSzTx/>
-              <a:buFontTx/>
-              <a:buNone/>
-              <a:defRPr sz="948">
-                <a:solidFill>
-                  <a:srgbClr val="000000"/>
-                </a:solidFill>
-                <a:latin typeface="Times"/>
-                <a:ea typeface="Times"/>
-                <a:cs typeface="Times"/>
-                <a:sym typeface="Times"/>
-              </a:defRPr>
-            </a:pPr>
-            <a:endParaRPr sz="948" u="none" dirty="0">
-              <a:solidFill>
-                <a:srgbClr val="000000"/>
-              </a:solidFill>
-              <a:latin typeface="Times"/>
-              <a:ea typeface="Times"/>
-              <a:cs typeface="Times"/>
-              <a:sym typeface="Times"/>
-            </a:endParaRPr>
-          </a:p>
-          <a:p>
-            <a:pPr marL="0" indent="0" defTabSz="361188">
-              <a:lnSpc>
-                <a:spcPts val="2900"/>
-              </a:lnSpc>
-              <a:spcBef>
-                <a:spcPts val="0"/>
-              </a:spcBef>
-              <a:buSzTx/>
-              <a:buFontTx/>
-              <a:buNone/>
-              <a:defRPr sz="1158" u="sng">
-                <a:solidFill>
-                  <a:srgbClr val="1155CC"/>
-                </a:solidFill>
-                <a:latin typeface="Arial"/>
-                <a:ea typeface="Arial"/>
-                <a:cs typeface="Arial"/>
-                <a:sym typeface="Arial"/>
-              </a:defRPr>
-            </a:pPr>
-            <a:r>
-              <a:rPr u="none" dirty="0" err="1">
-                <a:solidFill>
-                  <a:srgbClr val="000000"/>
-                </a:solidFill>
-              </a:rPr>
-              <a:t>SKLearn</a:t>
-            </a:r>
-            <a:r>
-              <a:rPr u="none" dirty="0">
-                <a:solidFill>
-                  <a:srgbClr val="000000"/>
-                </a:solidFill>
-              </a:rPr>
-              <a:t> (whole series - simple to complicated): </a:t>
-            </a:r>
-            <a:r>
-              <a:rPr dirty="0">
-                <a:solidFill>
-                  <a:schemeClr val="accent5"/>
-                </a:solidFill>
-                <a:uFill>
-                  <a:solidFill>
-                    <a:schemeClr val="accent5"/>
-                  </a:solidFill>
-                </a:uFill>
-                <a:hlinkClick r:id="rId6"/>
-              </a:rPr>
-              <a:t>https://towardsdatascience.com/sentiment-analysis-with-python-part-1-5ce197074184</a:t>
-            </a:r>
-            <a:endParaRPr sz="948" u="none" dirty="0">
-              <a:solidFill>
-                <a:srgbClr val="000000"/>
-              </a:solidFill>
-              <a:latin typeface="Times"/>
-              <a:ea typeface="Times"/>
-              <a:cs typeface="Times"/>
-              <a:sym typeface="Times"/>
-            </a:endParaRPr>
-          </a:p>
-          <a:p>
-            <a:pPr marL="0" indent="0" defTabSz="361188">
-              <a:lnSpc>
-                <a:spcPct val="100000"/>
-              </a:lnSpc>
-              <a:spcBef>
-                <a:spcPts val="0"/>
-              </a:spcBef>
-              <a:buSzTx/>
-              <a:buFontTx/>
-              <a:buNone/>
-              <a:defRPr sz="948">
-                <a:solidFill>
-                  <a:srgbClr val="000000"/>
-                </a:solidFill>
-                <a:latin typeface="Times"/>
-                <a:ea typeface="Times"/>
-                <a:cs typeface="Times"/>
-                <a:sym typeface="Times"/>
-              </a:defRPr>
-            </a:pPr>
-            <a:endParaRPr sz="948" u="none" dirty="0">
-              <a:solidFill>
-                <a:srgbClr val="000000"/>
-              </a:solidFill>
-              <a:latin typeface="Times"/>
-              <a:ea typeface="Times"/>
-              <a:cs typeface="Times"/>
-              <a:sym typeface="Times"/>
-            </a:endParaRPr>
-          </a:p>
-          <a:p>
-            <a:pPr marL="0" indent="0" defTabSz="361188">
-              <a:lnSpc>
-                <a:spcPts val="2900"/>
-              </a:lnSpc>
-              <a:spcBef>
-                <a:spcPts val="0"/>
-              </a:spcBef>
-              <a:buSzTx/>
-              <a:buFontTx/>
-              <a:buNone/>
-              <a:defRPr sz="1158" u="sng">
-                <a:solidFill>
-                  <a:srgbClr val="1155CC"/>
-                </a:solidFill>
-                <a:latin typeface="Arial"/>
-                <a:ea typeface="Arial"/>
-                <a:cs typeface="Arial"/>
-                <a:sym typeface="Arial"/>
-              </a:defRPr>
-            </a:pPr>
-            <a:r>
-              <a:rPr u="none" dirty="0">
-                <a:solidFill>
-                  <a:srgbClr val="000000"/>
-                </a:solidFill>
-              </a:rPr>
-              <a:t>Deep Learning (TensorFlow, </a:t>
-            </a:r>
-            <a:r>
-              <a:rPr u="none" dirty="0" err="1">
-                <a:solidFill>
-                  <a:srgbClr val="000000"/>
-                </a:solidFill>
-              </a:rPr>
-              <a:t>Keras</a:t>
-            </a:r>
-            <a:r>
-              <a:rPr u="none" dirty="0">
-                <a:solidFill>
-                  <a:srgbClr val="000000"/>
-                </a:solidFill>
-              </a:rPr>
-              <a:t>, </a:t>
-            </a:r>
-            <a:r>
-              <a:rPr u="none" dirty="0" err="1">
-                <a:solidFill>
-                  <a:srgbClr val="000000"/>
-                </a:solidFill>
-              </a:rPr>
-              <a:t>sklearn</a:t>
-            </a:r>
-            <a:r>
-              <a:rPr u="none" dirty="0">
-                <a:solidFill>
-                  <a:srgbClr val="000000"/>
-                </a:solidFill>
-              </a:rPr>
-              <a:t>): </a:t>
-            </a:r>
-            <a:r>
-              <a:rPr dirty="0">
-                <a:solidFill>
-                  <a:schemeClr val="accent5"/>
-                </a:solidFill>
-                <a:uFill>
-                  <a:solidFill>
-                    <a:schemeClr val="accent5"/>
-                  </a:solidFill>
-                </a:uFill>
-                <a:hlinkClick r:id="rId7"/>
-              </a:rPr>
-              <a:t>https://curiousily.com/posts/sentiment-analysis-with-tensorflow-2-and-keras-using-python/</a:t>
-            </a:r>
-            <a:endParaRPr sz="948" u="none" dirty="0">
-              <a:solidFill>
-                <a:srgbClr val="000000"/>
-              </a:solidFill>
-              <a:latin typeface="Times"/>
-              <a:ea typeface="Times"/>
-              <a:cs typeface="Times"/>
-              <a:sym typeface="Times"/>
-            </a:endParaRPr>
-          </a:p>
-          <a:p>
-            <a:pPr marL="0" indent="0" defTabSz="361188">
-              <a:lnSpc>
-                <a:spcPct val="100000"/>
-              </a:lnSpc>
-              <a:spcBef>
-                <a:spcPts val="0"/>
-              </a:spcBef>
-              <a:buSzTx/>
-              <a:buFontTx/>
-              <a:buNone/>
-              <a:defRPr sz="948">
-                <a:solidFill>
-                  <a:srgbClr val="000000"/>
-                </a:solidFill>
-                <a:latin typeface="Times"/>
-                <a:ea typeface="Times"/>
-                <a:cs typeface="Times"/>
-                <a:sym typeface="Times"/>
-              </a:defRPr>
-            </a:pPr>
-            <a:endParaRPr sz="948" u="none" dirty="0">
-              <a:solidFill>
-                <a:srgbClr val="000000"/>
-              </a:solidFill>
-              <a:latin typeface="Times"/>
-              <a:ea typeface="Times"/>
-              <a:cs typeface="Times"/>
-              <a:sym typeface="Times"/>
-            </a:endParaRPr>
-          </a:p>
-          <a:p>
-            <a:pPr marL="0" indent="0" defTabSz="361188">
-              <a:lnSpc>
-                <a:spcPts val="2900"/>
-              </a:lnSpc>
-              <a:spcBef>
-                <a:spcPts val="0"/>
-              </a:spcBef>
-              <a:buSzTx/>
-              <a:buFontTx/>
-              <a:buNone/>
-              <a:defRPr sz="1158" u="sng">
-                <a:solidFill>
-                  <a:srgbClr val="1155CC"/>
-                </a:solidFill>
-                <a:latin typeface="Arial"/>
-                <a:ea typeface="Arial"/>
-                <a:cs typeface="Arial"/>
-                <a:sym typeface="Arial"/>
-              </a:defRPr>
-            </a:pPr>
-            <a:r>
-              <a:rPr u="none" dirty="0" err="1">
-                <a:solidFill>
-                  <a:srgbClr val="000000"/>
-                </a:solidFill>
-              </a:rPr>
-              <a:t>SKLearn</a:t>
-            </a:r>
-            <a:r>
-              <a:rPr u="none" dirty="0">
-                <a:solidFill>
-                  <a:srgbClr val="000000"/>
-                </a:solidFill>
+              <a:t>https://realpython.com/sentiment-analysis-python</a:t>
+            </a:r>
+            <a:r>
+              <a:rPr lang="en-US" dirty="0" smtClean="0">
+                <a:hlinkClick r:id="rId3"/>
               </a:rPr>
               <a:t>/</a:t>
             </a:r>
             <a:r>
-              <a:rPr u="none" dirty="0" err="1">
-                <a:solidFill>
-                  <a:srgbClr val="000000"/>
-                </a:solidFill>
-              </a:rPr>
-              <a:t>spaCy</a:t>
-            </a:r>
-            <a:r>
-              <a:rPr u="none" dirty="0">
-                <a:solidFill>
-                  <a:srgbClr val="000000"/>
-                </a:solidFill>
-              </a:rPr>
-              <a:t>: </a:t>
-            </a:r>
-            <a:r>
-              <a:rPr dirty="0">
-                <a:solidFill>
-                  <a:schemeClr val="accent5"/>
-                </a:solidFill>
-                <a:uFill>
-                  <a:solidFill>
-                    <a:schemeClr val="accent5"/>
-                  </a:solidFill>
-                </a:uFill>
-                <a:hlinkClick r:id="rId8"/>
-              </a:rPr>
-              <a:t>https://medium.com/dev-genius/training-an-ml-model-for-sentiment-analysis-in-python-63b6b8c68792</a:t>
-            </a:r>
-            <a:endParaRPr sz="948" u="none" dirty="0">
-              <a:solidFill>
-                <a:srgbClr val="000000"/>
-              </a:solidFill>
-              <a:latin typeface="Times"/>
-              <a:ea typeface="Times"/>
-              <a:cs typeface="Times"/>
-              <a:sym typeface="Times"/>
-            </a:endParaRPr>
-          </a:p>
-          <a:p>
-            <a:pPr marL="0" indent="0" defTabSz="361188">
-              <a:lnSpc>
-                <a:spcPct val="100000"/>
-              </a:lnSpc>
-              <a:spcBef>
-                <a:spcPts val="0"/>
-              </a:spcBef>
-              <a:buSzTx/>
-              <a:buFontTx/>
-              <a:buNone/>
-              <a:defRPr sz="948">
-                <a:solidFill>
-                  <a:srgbClr val="000000"/>
-                </a:solidFill>
-                <a:latin typeface="Times"/>
-                <a:ea typeface="Times"/>
-                <a:cs typeface="Times"/>
-                <a:sym typeface="Times"/>
-              </a:defRPr>
-            </a:pPr>
-            <a:endParaRPr sz="948" u="none" dirty="0">
-              <a:solidFill>
-                <a:srgbClr val="000000"/>
-              </a:solidFill>
-              <a:latin typeface="Times"/>
-              <a:ea typeface="Times"/>
-              <a:cs typeface="Times"/>
-              <a:sym typeface="Times"/>
-            </a:endParaRPr>
-          </a:p>
-          <a:p>
-            <a:pPr marL="0" indent="0" defTabSz="361188">
-              <a:lnSpc>
-                <a:spcPts val="2900"/>
-              </a:lnSpc>
-              <a:spcBef>
-                <a:spcPts val="0"/>
-              </a:spcBef>
-              <a:buSzTx/>
-              <a:buFontTx/>
-              <a:buNone/>
-              <a:defRPr sz="1158" u="sng">
-                <a:solidFill>
-                  <a:srgbClr val="1155CC"/>
-                </a:solidFill>
-                <a:latin typeface="Arial"/>
-                <a:ea typeface="Arial"/>
-                <a:cs typeface="Arial"/>
-                <a:sym typeface="Arial"/>
-              </a:defRPr>
-            </a:pPr>
-            <a:r>
-              <a:rPr u="none" dirty="0">
-                <a:solidFill>
-                  <a:srgbClr val="000000"/>
-                </a:solidFill>
-              </a:rPr>
-              <a:t>NLTK (bag of words vs TF-IDF) and </a:t>
-            </a:r>
-            <a:r>
-              <a:rPr u="none" dirty="0" err="1">
-                <a:solidFill>
-                  <a:srgbClr val="000000"/>
-                </a:solidFill>
-              </a:rPr>
-              <a:t>SKLearn</a:t>
-            </a:r>
-            <a:r>
-              <a:rPr u="none" dirty="0">
-                <a:solidFill>
-                  <a:srgbClr val="000000"/>
-                </a:solidFill>
-              </a:rPr>
-              <a:t>: </a:t>
-            </a:r>
-            <a:r>
-              <a:rPr dirty="0">
-                <a:solidFill>
-                  <a:schemeClr val="accent5"/>
-                </a:solidFill>
-                <a:uFill>
-                  <a:solidFill>
-                    <a:schemeClr val="accent5"/>
-                  </a:solidFill>
-                </a:uFill>
-                <a:hlinkClick r:id="rId9"/>
-              </a:rPr>
-              <a:t>https://www.analyticsvidhya.com/blog/2018/07/hands-on-sentiment-analysis-dataset-python/</a:t>
-            </a:r>
-            <a:endParaRPr sz="948" u="none" dirty="0">
-              <a:solidFill>
-                <a:srgbClr val="000000"/>
-              </a:solidFill>
-              <a:latin typeface="Times"/>
-              <a:ea typeface="Times"/>
-              <a:cs typeface="Times"/>
-              <a:sym typeface="Times"/>
-            </a:endParaRPr>
-          </a:p>
-          <a:p>
-            <a:pPr marL="0" indent="0" defTabSz="361188">
-              <a:lnSpc>
-                <a:spcPct val="100000"/>
-              </a:lnSpc>
-              <a:spcBef>
-                <a:spcPts val="0"/>
-              </a:spcBef>
-              <a:buSzTx/>
-              <a:buFontTx/>
-              <a:buNone/>
-              <a:defRPr sz="948">
-                <a:solidFill>
-                  <a:srgbClr val="000000"/>
-                </a:solidFill>
-                <a:latin typeface="Times"/>
-                <a:ea typeface="Times"/>
-                <a:cs typeface="Times"/>
-                <a:sym typeface="Times"/>
-              </a:defRPr>
-            </a:pPr>
-            <a:endParaRPr sz="948" u="none" dirty="0">
-              <a:solidFill>
-                <a:srgbClr val="000000"/>
-              </a:solidFill>
-              <a:latin typeface="Times"/>
-              <a:ea typeface="Times"/>
-              <a:cs typeface="Times"/>
-              <a:sym typeface="Times"/>
-            </a:endParaRPr>
-          </a:p>
-          <a:p>
-            <a:pPr marL="0" indent="0" defTabSz="361188">
-              <a:lnSpc>
-                <a:spcPct val="100000"/>
-              </a:lnSpc>
-              <a:spcBef>
-                <a:spcPts val="0"/>
-              </a:spcBef>
-              <a:buSzTx/>
-              <a:buFontTx/>
-              <a:buNone/>
-              <a:defRPr sz="1158" u="sng">
-                <a:solidFill>
-                  <a:srgbClr val="1155CC"/>
-                </a:solidFill>
-                <a:latin typeface="Arial"/>
-                <a:ea typeface="Arial"/>
-                <a:cs typeface="Arial"/>
-                <a:sym typeface="Arial"/>
-              </a:defRPr>
-            </a:pPr>
-            <a:r>
-              <a:rPr u="none" dirty="0">
-                <a:solidFill>
-                  <a:srgbClr val="000000"/>
-                </a:solidFill>
-              </a:rPr>
-              <a:t>Using NLTK in </a:t>
-            </a:r>
-            <a:r>
-              <a:rPr u="none" dirty="0" err="1">
-                <a:solidFill>
-                  <a:srgbClr val="000000"/>
-                </a:solidFill>
-              </a:rPr>
-              <a:t>PySpark</a:t>
-            </a:r>
-            <a:r>
-              <a:rPr u="none" dirty="0">
-                <a:solidFill>
-                  <a:srgbClr val="000000"/>
-                </a:solidFill>
-              </a:rPr>
-              <a:t>: </a:t>
-            </a:r>
-            <a:r>
-              <a:rPr dirty="0">
-                <a:solidFill>
-                  <a:schemeClr val="accent5"/>
-                </a:solidFill>
-                <a:uFill>
-                  <a:solidFill>
-                    <a:schemeClr val="accent5"/>
-                  </a:solidFill>
-                </a:uFill>
-                <a:hlinkClick r:id="rId10"/>
-              </a:rPr>
-              <a:t>https://docs.anaconda.com/anaconda-cluster/howto/spark-nltk/</a:t>
-            </a:r>
-            <a:r>
-              <a:rPr u="none" dirty="0">
-                <a:solidFill>
-                  <a:srgbClr val="000000"/>
-                </a:solidFill>
-              </a:rPr>
+              <a:rPr lang="en-US" dirty="0" smtClean="0"/>
               <a:t> </a:t>
             </a:r>
+            <a:endParaRPr lang="en-US" dirty="0"/>
           </a:p>
         </p:txBody>
       </p:sp>
     </p:spTree>
+    <p:extLst>
+      <p:ext uri="{BB962C8B-B14F-4D97-AF65-F5344CB8AC3E}">
+        <p14:creationId xmlns:p14="http://schemas.microsoft.com/office/powerpoint/2010/main" val="182399989"/>
+      </p:ext>
+    </p:extLst>
   </p:cSld>
   <p:clrMapOvr>
     <a:masterClrMapping/>
@@ -10536,16 +9926,24 @@
             <a:pPr lvl="1"/>
             <a:r>
               <a:rPr lang="en-US" dirty="0"/>
-              <a:t>Breitbart: Migrant Who Tried to Set Bus Full of Children on Fire Expressed Hatred of Italians in Revealed Video</a:t>
+              <a:t>Breitbart: </a:t>
+            </a:r>
+            <a:r>
+              <a:rPr lang="en-US" i="1" dirty="0"/>
+              <a:t>Migrant Who Tried to Set Bus Full of Children on Fire Expressed Hatred of Italians in Revealed Video</a:t>
             </a:r>
           </a:p>
           <a:p>
             <a:pPr lvl="1"/>
             <a:r>
               <a:rPr lang="en-US" dirty="0"/>
-              <a:t>Al Jazeera: Rohingya refugees are being ignored</a:t>
-            </a:r>
-            <a:endParaRPr dirty="0"/>
+              <a:t>Al Jazeera: </a:t>
+            </a:r>
+            <a:r>
+              <a:rPr lang="en-US" i="1" dirty="0"/>
+              <a:t>Rohingya refugees are being ignored</a:t>
+            </a:r>
+            <a:endParaRPr i="1" dirty="0"/>
           </a:p>
           <a:p>
             <a:endParaRPr dirty="0"/>

--- a/Group_project3_deck.pptx
+++ b/Group_project3_deck.pptx
@@ -1811,7 +1811,7 @@
             <a:t>80/20 </a:t>
           </a:r>
           <a:r>
-            <a:rPr lang="en-US">
+            <a:rPr lang="en-US" dirty="0" smtClean="0">
               <a:solidFill>
                 <a:sysClr val="window" lastClr="FFFFFF"/>
               </a:solidFill>
@@ -1819,7 +1819,7 @@
               <a:ea typeface="+mn-ea"/>
               <a:cs typeface="+mn-cs"/>
             </a:rPr>
-            <a:t>Testing/Training </a:t>
+            <a:t>Training/Testing </a:t>
           </a:r>
           <a:endParaRPr lang="en-US" dirty="0">
             <a:solidFill>
@@ -2069,8 +2069,8 @@
     <dgm:cxn modelId="{0BAEE1BC-1A7B-48D5-8E15-A5BC10EDF5BB}" type="presOf" srcId="{B74EF89B-A008-4CA8-853E-DCBC17941800}" destId="{5E0FCCC8-ACF4-4FB8-8F04-9B07695E2C0D}" srcOrd="0" destOrd="0" presId="urn:microsoft.com/office/officeart/2005/8/layout/bProcess3"/>
     <dgm:cxn modelId="{55AA15AD-FE27-423F-A53D-6B14941D9F4B}" type="presOf" srcId="{8720C469-BB3F-4F5D-9EE9-A4487D8DD3EE}" destId="{503F67E7-F078-4E22-95F8-3F0A12E5A367}" srcOrd="0" destOrd="0" presId="urn:microsoft.com/office/officeart/2005/8/layout/bProcess3"/>
     <dgm:cxn modelId="{E9621940-B7FA-46AE-8130-2BE532323E24}" type="presOf" srcId="{34A81CA4-9286-4C4B-84A1-4F5A4E7E4A7A}" destId="{BF76A627-718D-40A9-8B57-D3E9083C6381}" srcOrd="0" destOrd="0" presId="urn:microsoft.com/office/officeart/2005/8/layout/bProcess3"/>
+    <dgm:cxn modelId="{D16AC7BC-7199-418A-96C0-40DE2D8B7815}" srcId="{4C08D1B8-AE00-49A5-88B2-04654168C37D}" destId="{48D0C688-861D-4FFD-8ABF-E972B221161D}" srcOrd="1" destOrd="0" parTransId="{B142CF86-A96C-4018-9308-72D788731CB0}" sibTransId="{9250E9B6-BBC1-41C8-AA83-C6F2DE6A56C5}"/>
     <dgm:cxn modelId="{CB026BC8-1509-4C3F-A13B-582A4E03557A}" type="presOf" srcId="{C4E1A227-2332-4FC7-A9BB-FB169C2454B0}" destId="{D0F82B41-16C5-43A2-A570-6E0D39E5579D}" srcOrd="0" destOrd="0" presId="urn:microsoft.com/office/officeart/2005/8/layout/bProcess3"/>
-    <dgm:cxn modelId="{D16AC7BC-7199-418A-96C0-40DE2D8B7815}" srcId="{4C08D1B8-AE00-49A5-88B2-04654168C37D}" destId="{48D0C688-861D-4FFD-8ABF-E972B221161D}" srcOrd="1" destOrd="0" parTransId="{B142CF86-A96C-4018-9308-72D788731CB0}" sibTransId="{9250E9B6-BBC1-41C8-AA83-C6F2DE6A56C5}"/>
     <dgm:cxn modelId="{24F75CB2-B2D0-4591-915F-9A2DFA0121DC}" srcId="{4C08D1B8-AE00-49A5-88B2-04654168C37D}" destId="{B87AF69D-6D3E-41A9-9F2F-BDA02D6B1D7D}" srcOrd="3" destOrd="0" parTransId="{23D2BDF5-9C67-450F-8131-73CEBC1B8779}" sibTransId="{121B5633-C78A-436F-826B-4A00C3968F7C}"/>
     <dgm:cxn modelId="{DF0910C3-5A46-433E-AA2F-560B1D014BD0}" type="presOf" srcId="{9250E9B6-BBC1-41C8-AA83-C6F2DE6A56C5}" destId="{2A8540BC-CC6E-494B-AAB4-AC1951672CA3}" srcOrd="0" destOrd="0" presId="urn:microsoft.com/office/officeart/2005/8/layout/bProcess3"/>
     <dgm:cxn modelId="{883FED1C-6AF5-497F-9108-525E3218F34A}" type="presOf" srcId="{48D0C688-861D-4FFD-8ABF-E972B221161D}" destId="{07C378D1-E6FE-4CDA-850B-F2499600AAF5}" srcOrd="0" destOrd="0" presId="urn:microsoft.com/office/officeart/2005/8/layout/bProcess3"/>
@@ -3098,7 +3098,7 @@
             <a:t>80/20 </a:t>
           </a:r>
           <a:r>
-            <a:rPr lang="en-US" sz="3100" kern="1200">
+            <a:rPr lang="en-US" sz="3100" kern="1200" dirty="0" smtClean="0">
               <a:solidFill>
                 <a:sysClr val="window" lastClr="FFFFFF"/>
               </a:solidFill>
@@ -3106,7 +3106,7 @@
               <a:ea typeface="+mn-ea"/>
               <a:cs typeface="+mn-cs"/>
             </a:rPr>
-            <a:t>Testing/Training </a:t>
+            <a:t>Training/Testing </a:t>
           </a:r>
           <a:endParaRPr lang="en-US" sz="3100" kern="1200" dirty="0">
             <a:solidFill>
@@ -7316,7 +7316,7 @@
           </a:ln>
           <a:extLst>
             <a:ext uri="{C572A759-6A51-4108-AA02-DFA0A04FC94B}">
-              <ma14:wrappingTextBoxFlag xmlns="" xmlns:m="http://schemas.openxmlformats.org/officeDocument/2006/math" xmlns:a14="http://schemas.microsoft.com/office/drawing/2010/main" xmlns:ma14="http://schemas.microsoft.com/office/mac/drawingml/2011/main" val="1"/>
+              <ma14:wrappingTextBoxFlag xmlns:ma14="http://schemas.microsoft.com/office/mac/drawingml/2011/main" xmlns:a14="http://schemas.microsoft.com/office/drawing/2010/main" xmlns:m="http://schemas.openxmlformats.org/officeDocument/2006/math" xmlns="" val="1"/>
             </a:ext>
           </a:extLst>
         </p:spPr>
@@ -7355,7 +7355,7 @@
           </a:ln>
           <a:extLst>
             <a:ext uri="{C572A759-6A51-4108-AA02-DFA0A04FC94B}">
-              <ma14:wrappingTextBoxFlag xmlns="" xmlns:m="http://schemas.openxmlformats.org/officeDocument/2006/math" xmlns:a14="http://schemas.microsoft.com/office/drawing/2010/main" xmlns:ma14="http://schemas.microsoft.com/office/mac/drawingml/2011/main" val="1"/>
+              <ma14:wrappingTextBoxFlag xmlns:ma14="http://schemas.microsoft.com/office/mac/drawingml/2011/main" xmlns:a14="http://schemas.microsoft.com/office/drawing/2010/main" xmlns:m="http://schemas.openxmlformats.org/officeDocument/2006/math" xmlns="" val="1"/>
             </a:ext>
           </a:extLst>
         </p:spPr>
@@ -8562,7 +8562,7 @@
           </a:ln>
           <a:extLst>
             <a:ext uri="{C572A759-6A51-4108-AA02-DFA0A04FC94B}">
-              <ma14:wrappingTextBoxFlag xmlns="" xmlns:m="http://schemas.openxmlformats.org/officeDocument/2006/math" xmlns:a14="http://schemas.microsoft.com/office/drawing/2010/main" xmlns:ma14="http://schemas.microsoft.com/office/mac/drawingml/2011/main" val="1"/>
+              <ma14:wrappingTextBoxFlag xmlns:ma14="http://schemas.microsoft.com/office/mac/drawingml/2011/main" xmlns:a14="http://schemas.microsoft.com/office/drawing/2010/main" xmlns:m="http://schemas.openxmlformats.org/officeDocument/2006/math" xmlns="" val="1"/>
             </a:ext>
           </a:extLst>
         </p:spPr>
@@ -10030,7 +10030,7 @@
           <p:nvPr>
             <p:extLst>
               <p:ext uri="{D42A27DB-BD31-4B8C-83A1-F6EECF244321}">
-                <p14:modId xmlns:p14="http://schemas.microsoft.com/office/powerpoint/2010/main" val="198502719"/>
+                <p14:modId xmlns:p14="http://schemas.microsoft.com/office/powerpoint/2010/main" val="3511240639"/>
               </p:ext>
             </p:extLst>
           </p:nvPr>
